--- a/docs/16. ПЗ. ГЧ. Презентация.pptx
+++ b/docs/16. ПЗ. ГЧ. Презентация.pptx
@@ -121,7 +121,7 @@
   </p:defaultTextStyle>
   <p:extLst>
     <p:ext uri="{EFAFB233-063F-42B5-8137-9DF3F51BA10A}">
-      <p15:sldGuideLst xmlns:p15="http://schemas.microsoft.com/office/powerpoint/2012/main" xmlns=""/>
+      <p15:sldGuideLst xmlns="" xmlns:p15="http://schemas.microsoft.com/office/powerpoint/2012/main"/>
     </p:ext>
   </p:extLst>
 </p:presentation>
@@ -4808,21 +4808,21 @@
     </dgm:pt>
   </dgm:ptLst>
   <dgm:cxnLst>
+    <dgm:cxn modelId="{19D667E6-D45B-4B7E-91E8-4374403C4CC7}" type="presOf" srcId="{749F1199-F704-420A-8397-E1D85989B673}" destId="{F5D46F5D-BCFC-4BF9-82DE-6DC8A4F929F0}" srcOrd="0" destOrd="0" presId="urn:microsoft.com/office/officeart/2005/8/layout/radial6"/>
+    <dgm:cxn modelId="{AEF79B0A-BB7E-4D1D-BC4A-28AA092BADD4}" type="presOf" srcId="{C8E025B5-F0F4-4F8A-BE09-C8CB7D067A41}" destId="{93E663E5-2EA9-46F1-9F2A-BAFACE0E3D70}" srcOrd="0" destOrd="0" presId="urn:microsoft.com/office/officeart/2005/8/layout/radial6"/>
+    <dgm:cxn modelId="{4346EBBC-7620-4738-BEC9-C96DEBC5AD77}" type="presOf" srcId="{64297AF2-DB41-4A02-89B0-32A430A5A6F3}" destId="{28921AD5-72BC-46B7-A831-D13C5FF74155}" srcOrd="0" destOrd="0" presId="urn:microsoft.com/office/officeart/2005/8/layout/radial6"/>
+    <dgm:cxn modelId="{AFC8F2C5-655A-41D3-AD70-7194FFB92949}" type="presOf" srcId="{B29A18AC-CAC2-401F-BB79-6CD94B242DD6}" destId="{DCEED6DC-9A2C-412B-9002-D94948E0346F}" srcOrd="0" destOrd="0" presId="urn:microsoft.com/office/officeart/2005/8/layout/radial6"/>
+    <dgm:cxn modelId="{0F256611-D3DE-4C36-973F-E8FA1AADACFA}" type="presOf" srcId="{BB00402F-EB30-4A68-9928-BC1A681F7AEF}" destId="{62BCEDF2-50AB-4C68-922C-1361608C57CE}" srcOrd="0" destOrd="0" presId="urn:microsoft.com/office/officeart/2005/8/layout/radial6"/>
+    <dgm:cxn modelId="{1E540EA9-0AEC-49E2-8DBD-E0A72EF3490B}" srcId="{64297AF2-DB41-4A02-89B0-32A430A5A6F3}" destId="{23F10A99-7BB7-46C7-8F7B-545462F7ECDE}" srcOrd="0" destOrd="0" parTransId="{EE3C83AA-647B-4657-A55E-F352CA97E7DC}" sibTransId="{BB00402F-EB30-4A68-9928-BC1A681F7AEF}"/>
     <dgm:cxn modelId="{7BEABE01-2BE9-4BEC-B806-13DADA142108}" type="presOf" srcId="{23F10A99-7BB7-46C7-8F7B-545462F7ECDE}" destId="{D3554C28-59A9-4594-BF9C-EFEAC992720E}" srcOrd="0" destOrd="0" presId="urn:microsoft.com/office/officeart/2005/8/layout/radial6"/>
+    <dgm:cxn modelId="{4A908A5E-8219-4B06-809F-AFDE1AF0A9AF}" type="presOf" srcId="{E4C22CC5-160F-4354-9CC4-526DD954A1A1}" destId="{818FFE94-F43A-469A-87B7-64790EA00DFB}" srcOrd="0" destOrd="0" presId="urn:microsoft.com/office/officeart/2005/8/layout/radial6"/>
+    <dgm:cxn modelId="{1D0713D4-5BBB-487C-B36C-E7830D895E50}" srcId="{64297AF2-DB41-4A02-89B0-32A430A5A6F3}" destId="{C8E025B5-F0F4-4F8A-BE09-C8CB7D067A41}" srcOrd="2" destOrd="0" parTransId="{CD5A03F8-C67D-45E3-8996-57F676583D84}" sibTransId="{EBC88A1D-FC41-408D-9857-3623467DAB35}"/>
+    <dgm:cxn modelId="{A31B8CA8-9E4F-41ED-866D-F0240A258284}" type="presOf" srcId="{3EF9905B-F8C3-4918-BABF-9CD505363EFC}" destId="{618C74A5-A1B7-46C7-ADFE-4D62EAE75684}" srcOrd="0" destOrd="0" presId="urn:microsoft.com/office/officeart/2005/8/layout/radial6"/>
     <dgm:cxn modelId="{3E5B3194-2638-4AA7-B9CF-AC51566F4234}" type="presOf" srcId="{EBC88A1D-FC41-408D-9857-3623467DAB35}" destId="{E1E8DAAF-309D-42A0-BC40-5EB27B05B197}" srcOrd="0" destOrd="0" presId="urn:microsoft.com/office/officeart/2005/8/layout/radial6"/>
     <dgm:cxn modelId="{7F535DBF-6840-4178-A35F-B12FF714F6EF}" srcId="{64297AF2-DB41-4A02-89B0-32A430A5A6F3}" destId="{E4C22CC5-160F-4354-9CC4-526DD954A1A1}" srcOrd="1" destOrd="0" parTransId="{CA4E2E1C-8C52-41B1-A4F4-CFDFEEAF9852}" sibTransId="{DD2DCE7C-2966-45B6-9E69-AFCD6877F71B}"/>
+    <dgm:cxn modelId="{AC11EAB7-54A3-4B81-AE77-24A6639CF3CC}" srcId="{64297AF2-DB41-4A02-89B0-32A430A5A6F3}" destId="{B29A18AC-CAC2-401F-BB79-6CD94B242DD6}" srcOrd="3" destOrd="0" parTransId="{7F2E6061-4CDF-49B0-BF24-3FA27E00D313}" sibTransId="{749F1199-F704-420A-8397-E1D85989B673}"/>
     <dgm:cxn modelId="{BCF667B1-FCF5-4985-9B7C-E3FFEF9BD10E}" srcId="{3EF9905B-F8C3-4918-BABF-9CD505363EFC}" destId="{64297AF2-DB41-4A02-89B0-32A430A5A6F3}" srcOrd="0" destOrd="0" parTransId="{F5C6B7EB-6941-49BE-A976-DA26DB213D04}" sibTransId="{6B1E66E0-7E2D-4694-8BC6-90F7C0E8A986}"/>
-    <dgm:cxn modelId="{1D0713D4-5BBB-487C-B36C-E7830D895E50}" srcId="{64297AF2-DB41-4A02-89B0-32A430A5A6F3}" destId="{C8E025B5-F0F4-4F8A-BE09-C8CB7D067A41}" srcOrd="2" destOrd="0" parTransId="{CD5A03F8-C67D-45E3-8996-57F676583D84}" sibTransId="{EBC88A1D-FC41-408D-9857-3623467DAB35}"/>
-    <dgm:cxn modelId="{0F256611-D3DE-4C36-973F-E8FA1AADACFA}" type="presOf" srcId="{BB00402F-EB30-4A68-9928-BC1A681F7AEF}" destId="{62BCEDF2-50AB-4C68-922C-1361608C57CE}" srcOrd="0" destOrd="0" presId="urn:microsoft.com/office/officeart/2005/8/layout/radial6"/>
-    <dgm:cxn modelId="{AFC8F2C5-655A-41D3-AD70-7194FFB92949}" type="presOf" srcId="{B29A18AC-CAC2-401F-BB79-6CD94B242DD6}" destId="{DCEED6DC-9A2C-412B-9002-D94948E0346F}" srcOrd="0" destOrd="0" presId="urn:microsoft.com/office/officeart/2005/8/layout/radial6"/>
-    <dgm:cxn modelId="{4A908A5E-8219-4B06-809F-AFDE1AF0A9AF}" type="presOf" srcId="{E4C22CC5-160F-4354-9CC4-526DD954A1A1}" destId="{818FFE94-F43A-469A-87B7-64790EA00DFB}" srcOrd="0" destOrd="0" presId="urn:microsoft.com/office/officeart/2005/8/layout/radial6"/>
     <dgm:cxn modelId="{740BF18A-2FC2-4814-950C-403CFFFCC4FA}" type="presOf" srcId="{DD2DCE7C-2966-45B6-9E69-AFCD6877F71B}" destId="{614652DC-C4BE-4093-8995-044374EE6A34}" srcOrd="0" destOrd="0" presId="urn:microsoft.com/office/officeart/2005/8/layout/radial6"/>
-    <dgm:cxn modelId="{4346EBBC-7620-4738-BEC9-C96DEBC5AD77}" type="presOf" srcId="{64297AF2-DB41-4A02-89B0-32A430A5A6F3}" destId="{28921AD5-72BC-46B7-A831-D13C5FF74155}" srcOrd="0" destOrd="0" presId="urn:microsoft.com/office/officeart/2005/8/layout/radial6"/>
-    <dgm:cxn modelId="{1E540EA9-0AEC-49E2-8DBD-E0A72EF3490B}" srcId="{64297AF2-DB41-4A02-89B0-32A430A5A6F3}" destId="{23F10A99-7BB7-46C7-8F7B-545462F7ECDE}" srcOrd="0" destOrd="0" parTransId="{EE3C83AA-647B-4657-A55E-F352CA97E7DC}" sibTransId="{BB00402F-EB30-4A68-9928-BC1A681F7AEF}"/>
-    <dgm:cxn modelId="{A31B8CA8-9E4F-41ED-866D-F0240A258284}" type="presOf" srcId="{3EF9905B-F8C3-4918-BABF-9CD505363EFC}" destId="{618C74A5-A1B7-46C7-ADFE-4D62EAE75684}" srcOrd="0" destOrd="0" presId="urn:microsoft.com/office/officeart/2005/8/layout/radial6"/>
-    <dgm:cxn modelId="{AEF79B0A-BB7E-4D1D-BC4A-28AA092BADD4}" type="presOf" srcId="{C8E025B5-F0F4-4F8A-BE09-C8CB7D067A41}" destId="{93E663E5-2EA9-46F1-9F2A-BAFACE0E3D70}" srcOrd="0" destOrd="0" presId="urn:microsoft.com/office/officeart/2005/8/layout/radial6"/>
-    <dgm:cxn modelId="{19D667E6-D45B-4B7E-91E8-4374403C4CC7}" type="presOf" srcId="{749F1199-F704-420A-8397-E1D85989B673}" destId="{F5D46F5D-BCFC-4BF9-82DE-6DC8A4F929F0}" srcOrd="0" destOrd="0" presId="urn:microsoft.com/office/officeart/2005/8/layout/radial6"/>
-    <dgm:cxn modelId="{AC11EAB7-54A3-4B81-AE77-24A6639CF3CC}" srcId="{64297AF2-DB41-4A02-89B0-32A430A5A6F3}" destId="{B29A18AC-CAC2-401F-BB79-6CD94B242DD6}" srcOrd="3" destOrd="0" parTransId="{7F2E6061-4CDF-49B0-BF24-3FA27E00D313}" sibTransId="{749F1199-F704-420A-8397-E1D85989B673}"/>
     <dgm:cxn modelId="{DCC0DA25-9D79-4423-B4D0-5C04E93B6E86}" type="presParOf" srcId="{618C74A5-A1B7-46C7-ADFE-4D62EAE75684}" destId="{28921AD5-72BC-46B7-A831-D13C5FF74155}" srcOrd="0" destOrd="0" presId="urn:microsoft.com/office/officeart/2005/8/layout/radial6"/>
     <dgm:cxn modelId="{A6FB2371-C355-4609-BFA2-64D028F29A07}" type="presParOf" srcId="{618C74A5-A1B7-46C7-ADFE-4D62EAE75684}" destId="{D3554C28-59A9-4594-BF9C-EFEAC992720E}" srcOrd="1" destOrd="0" presId="urn:microsoft.com/office/officeart/2005/8/layout/radial6"/>
     <dgm:cxn modelId="{B8B3F5C5-8221-4929-845A-BECD5EB83D9E}" type="presParOf" srcId="{618C74A5-A1B7-46C7-ADFE-4D62EAE75684}" destId="{6640C44B-ADF6-4205-9EEB-F9C1CC85E795}" srcOrd="2" destOrd="0" presId="urn:microsoft.com/office/officeart/2005/8/layout/radial6"/>
@@ -18029,7 +18029,7 @@
           <a:p>
             <a:fld id="{3D129705-407E-46FB-9913-F82E9030BE01}" type="datetimeFigureOut">
               <a:rPr lang="ru-RU" smtClean="0"/>
-              <a:t>01.06.18</a:t>
+              <a:t>07.06.18</a:t>
             </a:fld>
             <a:endParaRPr lang="ru-RU"/>
           </a:p>
@@ -18691,7 +18691,7 @@
           <a:p>
             <a:fld id="{96D32B65-BF58-42C2-98CF-AFF9CEAC039B}" type="datetime1">
               <a:rPr lang="ru-RU" smtClean="0"/>
-              <a:t>01.06.18</a:t>
+              <a:t>07.06.18</a:t>
             </a:fld>
             <a:endParaRPr lang="ru-RU"/>
           </a:p>
@@ -18899,7 +18899,7 @@
           <a:p>
             <a:fld id="{96821842-91B1-460F-A9E6-FF7518FB6898}" type="datetime1">
               <a:rPr lang="ru-RU" smtClean="0"/>
-              <a:t>01.06.18</a:t>
+              <a:t>07.06.18</a:t>
             </a:fld>
             <a:endParaRPr lang="ru-RU"/>
           </a:p>
@@ -19155,7 +19155,7 @@
           <a:p>
             <a:fld id="{11EF33EC-89F1-4328-89F2-BD81970CBDF0}" type="datetime1">
               <a:rPr lang="ru-RU" smtClean="0"/>
-              <a:t>01.06.18</a:t>
+              <a:t>07.06.18</a:t>
             </a:fld>
             <a:endParaRPr lang="ru-RU"/>
           </a:p>
@@ -19329,7 +19329,7 @@
           <a:p>
             <a:fld id="{89748951-148D-4321-9A66-4EAB41DA11D7}" type="datetime1">
               <a:rPr lang="ru-RU" smtClean="0"/>
-              <a:t>01.06.18</a:t>
+              <a:t>07.06.18</a:t>
             </a:fld>
             <a:endParaRPr lang="ru-RU"/>
           </a:p>
@@ -19672,7 +19672,7 @@
           <a:p>
             <a:fld id="{8F3BE15F-0D18-479B-89F1-1F5FEAB2363B}" type="datetime1">
               <a:rPr lang="ru-RU" smtClean="0"/>
-              <a:t>01.06.18</a:t>
+              <a:t>07.06.18</a:t>
             </a:fld>
             <a:endParaRPr lang="ru-RU"/>
           </a:p>
@@ -19947,7 +19947,7 @@
           <a:p>
             <a:fld id="{56F46041-93EA-4704-B09A-D77CA4AD76A0}" type="datetime1">
               <a:rPr lang="ru-RU" smtClean="0"/>
-              <a:t>01.06.18</a:t>
+              <a:t>07.06.18</a:t>
             </a:fld>
             <a:endParaRPr lang="ru-RU"/>
           </a:p>
@@ -20326,7 +20326,7 @@
           <a:p>
             <a:fld id="{2A7B1594-E278-4F2B-A131-A235F63F43D4}" type="datetime1">
               <a:rPr lang="ru-RU" smtClean="0"/>
-              <a:t>01.06.18</a:t>
+              <a:t>07.06.18</a:t>
             </a:fld>
             <a:endParaRPr lang="ru-RU"/>
           </a:p>
@@ -20444,7 +20444,7 @@
           <a:p>
             <a:fld id="{F22C72EF-5AF1-4B38-AC3A-D8D76248F6DA}" type="datetime1">
               <a:rPr lang="ru-RU" smtClean="0"/>
-              <a:t>01.06.18</a:t>
+              <a:t>07.06.18</a:t>
             </a:fld>
             <a:endParaRPr lang="ru-RU"/>
           </a:p>
@@ -20615,7 +20615,7 @@
           <a:p>
             <a:fld id="{97C586DB-2075-4BC1-8D5A-F67C8F36ABC6}" type="datetime1">
               <a:rPr lang="ru-RU" smtClean="0"/>
-              <a:t>01.06.18</a:t>
+              <a:t>07.06.18</a:t>
             </a:fld>
             <a:endParaRPr lang="ru-RU"/>
           </a:p>
@@ -20969,7 +20969,7 @@
           <a:p>
             <a:fld id="{A2860288-5F89-489D-87AA-9A25591AA6B9}" type="datetime1">
               <a:rPr lang="ru-RU" smtClean="0"/>
-              <a:t>01.06.18</a:t>
+              <a:t>07.06.18</a:t>
             </a:fld>
             <a:endParaRPr lang="ru-RU"/>
           </a:p>
@@ -21351,7 +21351,7 @@
           <a:p>
             <a:fld id="{DCEDE842-CA48-4E68-949B-02CE7DA9D0B8}" type="datetime1">
               <a:rPr lang="ru-RU" smtClean="0"/>
-              <a:t>01.06.18</a:t>
+              <a:t>07.06.18</a:t>
             </a:fld>
             <a:endParaRPr lang="ru-RU"/>
           </a:p>
@@ -21638,7 +21638,7 @@
           <a:p>
             <a:fld id="{6F3B2460-2099-421D-AF39-7833F5DD7ADA}" type="datetime1">
               <a:rPr lang="ru-RU" smtClean="0"/>
-              <a:t>01.06.18</a:t>
+              <a:t>07.06.18</a:t>
             </a:fld>
             <a:endParaRPr lang="ru-RU"/>
           </a:p>
@@ -22236,7 +22236,7 @@
         <p:spPr>
           <a:xfrm>
             <a:off x="697922" y="2613392"/>
-            <a:ext cx="10796154" cy="1908215"/>
+            <a:ext cx="10796154" cy="1631216"/>
           </a:xfrm>
           <a:prstGeom prst="rect">
             <a:avLst/>
@@ -22274,19 +22274,19 @@
           </a:p>
           <a:p>
             <a:pPr algn="ctr"/>
-            <a:endParaRPr lang="ru-RU" dirty="0" smtClean="0">
-              <a:latin typeface="Times New Roman" pitchFamily="18" charset="0"/>
-              <a:cs typeface="Times New Roman" pitchFamily="18" charset="0"/>
-            </a:endParaRPr>
-          </a:p>
-          <a:p>
-            <a:pPr algn="ctr"/>
+            <a:r>
+              <a:rPr lang="ru-RU" dirty="0" smtClean="0">
+                <a:latin typeface="Times New Roman" pitchFamily="18" charset="0"/>
+                <a:cs typeface="Times New Roman" pitchFamily="18" charset="0"/>
+              </a:rPr>
+              <a:t>Модернизация </a:t>
+            </a:r>
             <a:r>
               <a:rPr lang="ru-RU" dirty="0">
                 <a:latin typeface="Times New Roman" pitchFamily="18" charset="0"/>
                 <a:cs typeface="Times New Roman" pitchFamily="18" charset="0"/>
               </a:rPr>
-              <a:t>Модернизация информационно-образовательного портала </a:t>
+              <a:t>информационно-образовательного портала </a:t>
             </a:r>
             <a:endParaRPr lang="en-US" dirty="0" smtClean="0">
               <a:latin typeface="Times New Roman" pitchFamily="18" charset="0"/>
@@ -22475,7 +22475,7 @@
           <a:p>
             <a:fld id="{D9D8AB9F-2AFA-4438-BF61-343132D95C19}" type="datetime1">
               <a:rPr lang="ru-RU" smtClean="0"/>
-              <a:t>01.06.18</a:t>
+              <a:t>07.06.18</a:t>
             </a:fld>
             <a:endParaRPr lang="ru-RU"/>
           </a:p>
@@ -22600,7 +22600,7 @@
           <a:p>
             <a:fld id="{53C77163-00A7-48CB-9158-B7E33592FEFA}" type="datetime1">
               <a:rPr lang="ru-RU" smtClean="0"/>
-              <a:t>01.06.18</a:t>
+              <a:t>07.06.18</a:t>
             </a:fld>
             <a:endParaRPr lang="ru-RU"/>
           </a:p>
@@ -22718,7 +22718,7 @@
           <a:p>
             <a:fld id="{3DA18952-E552-4E3A-A11F-F79F9C96CD4E}" type="datetime1">
               <a:rPr lang="ru-RU" smtClean="0"/>
-              <a:t>01.06.18</a:t>
+              <a:t>07.06.18</a:t>
             </a:fld>
             <a:endParaRPr lang="ru-RU"/>
           </a:p>
@@ -23498,7 +23498,7 @@
           <a:p>
             <a:fld id="{8BAC4297-1FD4-4235-8FFA-33ED4565A7B5}" type="datetime1">
               <a:rPr lang="ru-RU" smtClean="0"/>
-              <a:t>01.06.18</a:t>
+              <a:t>07.06.18</a:t>
             </a:fld>
             <a:endParaRPr lang="ru-RU"/>
           </a:p>
@@ -23760,7 +23760,7 @@
           <a:p>
             <a:fld id="{6537E4BD-7422-4D03-8205-150202B1087A}" type="datetime1">
               <a:rPr lang="ru-RU" smtClean="0"/>
-              <a:t>01.06.18</a:t>
+              <a:t>07.06.18</a:t>
             </a:fld>
             <a:endParaRPr lang="ru-RU"/>
           </a:p>
@@ -23878,7 +23878,7 @@
           <a:p>
             <a:fld id="{187D58E7-61B0-47C4-BA99-17966DE34546}" type="datetime1">
               <a:rPr lang="ru-RU" smtClean="0"/>
-              <a:t>01.06.18</a:t>
+              <a:t>07.06.18</a:t>
             </a:fld>
             <a:endParaRPr lang="ru-RU"/>
           </a:p>
@@ -24041,7 +24041,7 @@
           <a:p>
             <a:fld id="{D629F715-9330-4643-AD5F-F50163BDE81A}" type="datetime1">
               <a:rPr lang="ru-RU" smtClean="0"/>
-              <a:t>01.06.18</a:t>
+              <a:t>07.06.18</a:t>
             </a:fld>
             <a:endParaRPr lang="ru-RU"/>
           </a:p>
@@ -24935,7 +24935,7 @@
           <a:p>
             <a:fld id="{8630057C-EE49-4A43-A806-F98C81E11D1E}" type="datetime1">
               <a:rPr lang="ru-RU" smtClean="0"/>
-              <a:t>01.06.18</a:t>
+              <a:t>07.06.18</a:t>
             </a:fld>
             <a:endParaRPr lang="ru-RU"/>
           </a:p>
@@ -25116,7 +25116,7 @@
           <a:p>
             <a:fld id="{E618C9E1-D56A-4DDA-A394-DD3730D43AE8}" type="datetime1">
               <a:rPr lang="ru-RU" smtClean="0"/>
-              <a:t>01.06.18</a:t>
+              <a:t>07.06.18</a:t>
             </a:fld>
             <a:endParaRPr lang="ru-RU"/>
           </a:p>
@@ -27424,7 +27424,7 @@
           <a:p>
             <a:fld id="{48A2849B-3087-4CD6-8DD9-86318559ADAA}" type="datetime1">
               <a:rPr lang="ru-RU" smtClean="0"/>
-              <a:t>01.06.18</a:t>
+              <a:t>07.06.18</a:t>
             </a:fld>
             <a:endParaRPr lang="ru-RU"/>
           </a:p>
@@ -27602,7 +27602,7 @@
           <a:p>
             <a:fld id="{471C3EE8-6881-43F3-BF9B-878DD07EBF13}" type="datetime1">
               <a:rPr lang="ru-RU" smtClean="0"/>
-              <a:t>01.06.18</a:t>
+              <a:t>07.06.18</a:t>
             </a:fld>
             <a:endParaRPr lang="ru-RU"/>
           </a:p>
@@ -29275,7 +29275,7 @@
           <a:p>
             <a:fld id="{B390AA64-2D5B-4383-9CEC-C278F0F06FB0}" type="datetime1">
               <a:rPr lang="ru-RU" smtClean="0"/>
-              <a:t>01.06.18</a:t>
+              <a:t>07.06.18</a:t>
             </a:fld>
             <a:endParaRPr lang="ru-RU"/>
           </a:p>
@@ -29393,7 +29393,7 @@
           <a:p>
             <a:fld id="{EF9284AD-6D29-471E-B2E0-46FCDC46B344}" type="datetime1">
               <a:rPr lang="ru-RU" smtClean="0"/>
-              <a:t>01.06.18</a:t>
+              <a:t>07.06.18</a:t>
             </a:fld>
             <a:endParaRPr lang="ru-RU"/>
           </a:p>
@@ -29719,7 +29719,7 @@
   <a:extraClrSchemeLst/>
   <a:extLst>
     <a:ext uri="{05A4C25C-085E-4340-85A3-A5531E510DB2}">
-      <thm15:themeFamily xmlns:thm15="http://schemas.microsoft.com/office/thememl/2012/main" xmlns="" name="Retrospect" id="{5F128B03-DCCA-4EEB-AB3B-CF2899314A46}" vid="{3F1AAB62-24C6-49D2-8E01-B56FAC9A3DCD}"/>
+      <thm15:themeFamily xmlns="" xmlns:thm15="http://schemas.microsoft.com/office/thememl/2012/main" name="Retrospect" id="{5F128B03-DCCA-4EEB-AB3B-CF2899314A46}" vid="{3F1AAB62-24C6-49D2-8E01-B56FAC9A3DCD}"/>
     </a:ext>
   </a:extLst>
 </a:theme>
@@ -29980,7 +29980,7 @@
   <a:extraClrSchemeLst/>
   <a:extLst>
     <a:ext uri="{05A4C25C-085E-4340-85A3-A5531E510DB2}">
-      <thm15:themeFamily xmlns:thm15="http://schemas.microsoft.com/office/thememl/2012/main" xmlns="" name="Office Theme" id="{62F939B6-93AF-4DB8-9C6B-D6C7DFDC589F}" vid="{4A3C46E8-61CC-4603-A589-7422A47A8E4A}"/>
+      <thm15:themeFamily xmlns="" xmlns:thm15="http://schemas.microsoft.com/office/thememl/2012/main" name="Office Theme" id="{62F939B6-93AF-4DB8-9C6B-D6C7DFDC589F}" vid="{4A3C46E8-61CC-4603-A589-7422A47A8E4A}"/>
     </a:ext>
   </a:extLst>
 </a:theme>
